--- a/25M2113_project.pptx
+++ b/25M2113_project.pptx
@@ -14,6 +14,7 @@
     <p:sldId id="262" r:id="rId8"/>
     <p:sldId id="263" r:id="rId9"/>
     <p:sldId id="264" r:id="rId10"/>
+    <p:sldId id="265" r:id="rId11"/>
   </p:sldIdLst>
   <p:sldSz cx="12192000" cy="6858000"/>
   <p:notesSz cx="6858000" cy="9144000"/>
@@ -123,10 +124,8 @@
 <file path=ppt/revisionInfo.xml><?xml version="1.0" encoding="utf-8"?>
 <p1510:revInfo xmlns:a="http://schemas.openxmlformats.org/drawingml/2006/main" xmlns:r="http://schemas.openxmlformats.org/officeDocument/2006/relationships" xmlns:p1510="http://schemas.microsoft.com/office/powerpoint/2015/10/main">
   <p1510:revLst>
-    <p1510:client id="{3376983E-2754-0315-AA67-E6D27E7B3EEE}" v="116" dt="2025-11-22T07:54:55.452"/>
-    <p1510:client id="{6C7E4F44-2E03-E440-948E-E8FF3B2B4D28}" v="1" dt="2025-11-22T06:43:43.942"/>
-    <p1510:client id="{77D1B038-7FE5-197E-F3D8-BC79C00793A6}" v="3244" dt="2025-11-22T09:23:17.031"/>
-    <p1510:client id="{8D1C9E54-B391-2E48-1A4D-D359510F4A86}" v="9" dt="2025-11-22T06:43:31.458"/>
+    <p1510:client id="{612CC04A-2DF7-69FB-2443-F111B07EDF07}" v="271" dt="2025-11-24T20:04:25.981"/>
+    <p1510:client id="{E61B77D4-798A-7C8F-86E9-C161DBD07F98}" v="180" dt="2025-11-23T15:20:08.642"/>
   </p1510:revLst>
 </p1510:revInfo>
 </file>
@@ -614,7 +613,7 @@
           <a:p>
             <a:fld id="{846CE7D5-CF57-46EF-B807-FDD0502418D4}" type="datetimeFigureOut">
               <a:rPr lang="en-US" smtClean="0"/>
-              <a:t>11/22/2025</a:t>
+              <a:t>11/24/2025</a:t>
             </a:fld>
             <a:endParaRPr lang="en-US"/>
           </a:p>
@@ -784,7 +783,7 @@
           <a:p>
             <a:fld id="{846CE7D5-CF57-46EF-B807-FDD0502418D4}" type="datetimeFigureOut">
               <a:rPr lang="en-US" smtClean="0"/>
-              <a:t>11/22/2025</a:t>
+              <a:t>11/24/2025</a:t>
             </a:fld>
             <a:endParaRPr lang="en-US"/>
           </a:p>
@@ -964,7 +963,7 @@
           <a:p>
             <a:fld id="{846CE7D5-CF57-46EF-B807-FDD0502418D4}" type="datetimeFigureOut">
               <a:rPr lang="en-US" smtClean="0"/>
-              <a:t>11/22/2025</a:t>
+              <a:t>11/24/2025</a:t>
             </a:fld>
             <a:endParaRPr lang="en-US"/>
           </a:p>
@@ -1134,7 +1133,7 @@
           <a:p>
             <a:fld id="{846CE7D5-CF57-46EF-B807-FDD0502418D4}" type="datetimeFigureOut">
               <a:rPr lang="en-US" smtClean="0"/>
-              <a:t>11/22/2025</a:t>
+              <a:t>11/24/2025</a:t>
             </a:fld>
             <a:endParaRPr lang="en-US"/>
           </a:p>
@@ -1380,7 +1379,7 @@
           <a:p>
             <a:fld id="{846CE7D5-CF57-46EF-B807-FDD0502418D4}" type="datetimeFigureOut">
               <a:rPr lang="en-US" smtClean="0"/>
-              <a:t>11/22/2025</a:t>
+              <a:t>11/24/2025</a:t>
             </a:fld>
             <a:endParaRPr lang="en-US"/>
           </a:p>
@@ -1612,7 +1611,7 @@
           <a:p>
             <a:fld id="{846CE7D5-CF57-46EF-B807-FDD0502418D4}" type="datetimeFigureOut">
               <a:rPr lang="en-US" smtClean="0"/>
-              <a:t>11/22/2025</a:t>
+              <a:t>11/24/2025</a:t>
             </a:fld>
             <a:endParaRPr lang="en-US"/>
           </a:p>
@@ -1979,7 +1978,7 @@
           <a:p>
             <a:fld id="{846CE7D5-CF57-46EF-B807-FDD0502418D4}" type="datetimeFigureOut">
               <a:rPr lang="en-US" smtClean="0"/>
-              <a:t>11/22/2025</a:t>
+              <a:t>11/24/2025</a:t>
             </a:fld>
             <a:endParaRPr lang="en-US"/>
           </a:p>
@@ -2097,7 +2096,7 @@
           <a:p>
             <a:fld id="{846CE7D5-CF57-46EF-B807-FDD0502418D4}" type="datetimeFigureOut">
               <a:rPr lang="en-US" smtClean="0"/>
-              <a:t>11/22/2025</a:t>
+              <a:t>11/24/2025</a:t>
             </a:fld>
             <a:endParaRPr lang="en-US"/>
           </a:p>
@@ -2192,7 +2191,7 @@
           <a:p>
             <a:fld id="{846CE7D5-CF57-46EF-B807-FDD0502418D4}" type="datetimeFigureOut">
               <a:rPr lang="en-US" smtClean="0"/>
-              <a:t>11/22/2025</a:t>
+              <a:t>11/24/2025</a:t>
             </a:fld>
             <a:endParaRPr lang="en-US"/>
           </a:p>
@@ -2469,7 +2468,7 @@
           <a:p>
             <a:fld id="{846CE7D5-CF57-46EF-B807-FDD0502418D4}" type="datetimeFigureOut">
               <a:rPr lang="en-US" smtClean="0"/>
-              <a:t>11/22/2025</a:t>
+              <a:t>11/24/2025</a:t>
             </a:fld>
             <a:endParaRPr lang="en-US"/>
           </a:p>
@@ -2726,7 +2725,7 @@
           <a:p>
             <a:fld id="{846CE7D5-CF57-46EF-B807-FDD0502418D4}" type="datetimeFigureOut">
               <a:rPr lang="en-US" smtClean="0"/>
-              <a:t>11/22/2025</a:t>
+              <a:t>11/24/2025</a:t>
             </a:fld>
             <a:endParaRPr lang="en-US"/>
           </a:p>
@@ -2939,7 +2938,7 @@
           <a:p>
             <a:fld id="{846CE7D5-CF57-46EF-B807-FDD0502418D4}" type="datetimeFigureOut">
               <a:rPr lang="en-US" smtClean="0"/>
-              <a:t>11/22/2025</a:t>
+              <a:t>11/24/2025</a:t>
             </a:fld>
             <a:endParaRPr lang="en-US"/>
           </a:p>
@@ -3787,6 +3786,389 @@
     <p:extLst>
       <p:ext uri="{BB962C8B-B14F-4D97-AF65-F5344CB8AC3E}">
         <p14:creationId xmlns:p14="http://schemas.microsoft.com/office/powerpoint/2010/main" val="109857222"/>
+      </p:ext>
+    </p:extLst>
+  </p:cSld>
+  <p:clrMapOvr>
+    <a:masterClrMapping/>
+  </p:clrMapOvr>
+</p:sld>
+</file>
+
+<file path=ppt/slides/slide10.xml><?xml version="1.0" encoding="utf-8"?>
+<p:sld xmlns:a="http://schemas.openxmlformats.org/drawingml/2006/main" xmlns:r="http://schemas.openxmlformats.org/officeDocument/2006/relationships" xmlns:p="http://schemas.openxmlformats.org/presentationml/2006/main">
+  <p:cSld>
+    <p:spTree>
+      <p:nvGrpSpPr>
+        <p:cNvPr id="1" name="">
+          <a:extLst>
+            <a:ext uri="{FF2B5EF4-FFF2-40B4-BE49-F238E27FC236}">
+              <a16:creationId xmlns:a16="http://schemas.microsoft.com/office/drawing/2014/main" id="{7B717457-E9D1-7CB5-F53A-EF9147ED36B4}"/>
+            </a:ext>
+          </a:extLst>
+        </p:cNvPr>
+        <p:cNvGrpSpPr/>
+        <p:nvPr/>
+      </p:nvGrpSpPr>
+      <p:grpSpPr>
+        <a:xfrm>
+          <a:off x="0" y="0"/>
+          <a:ext cx="0" cy="0"/>
+          <a:chOff x="0" y="0"/>
+          <a:chExt cx="0" cy="0"/>
+        </a:xfrm>
+      </p:grpSpPr>
+      <p:sp>
+        <p:nvSpPr>
+          <p:cNvPr id="2" name="TextBox 1">
+            <a:extLst>
+              <a:ext uri="{FF2B5EF4-FFF2-40B4-BE49-F238E27FC236}">
+                <a16:creationId xmlns:a16="http://schemas.microsoft.com/office/drawing/2014/main" id="{574B35C9-1CCB-7100-31B1-108BE5CC412E}"/>
+              </a:ext>
+            </a:extLst>
+          </p:cNvPr>
+          <p:cNvSpPr txBox="1"/>
+          <p:nvPr/>
+        </p:nvSpPr>
+        <p:spPr>
+          <a:xfrm>
+            <a:off x="2723323" y="2965620"/>
+            <a:ext cx="6734451" cy="923330"/>
+          </a:xfrm>
+          <a:prstGeom prst="rect">
+            <a:avLst/>
+          </a:prstGeom>
+          <a:noFill/>
+        </p:spPr>
+        <p:txBody>
+          <a:bodyPr rot="0" spcFirstLastPara="0" vertOverflow="overflow" horzOverflow="overflow" vert="horz" wrap="square" lIns="91440" tIns="45720" rIns="91440" bIns="45720" numCol="1" spcCol="0" rtlCol="0" fromWordArt="0" anchor="t" anchorCtr="0" forceAA="0" compatLnSpc="1">
+            <a:prstTxWarp prst="textNoShape">
+              <a:avLst/>
+            </a:prstTxWarp>
+            <a:spAutoFit/>
+          </a:bodyPr>
+          <a:lstStyle/>
+          <a:p>
+            <a:pPr algn="ctr"/>
+            <a:r>
+              <a:rPr lang="en-US" sz="5400" b="1">
+                <a:ea typeface="+mn-lt"/>
+                <a:cs typeface="+mn-lt"/>
+              </a:rPr>
+              <a:t>Thank you</a:t>
+            </a:r>
+            <a:endParaRPr lang="en-US"/>
+          </a:p>
+        </p:txBody>
+      </p:sp>
+      <p:sp>
+        <p:nvSpPr>
+          <p:cNvPr id="7" name="Google Shape;377;p44">
+            <a:extLst>
+              <a:ext uri="{FF2B5EF4-FFF2-40B4-BE49-F238E27FC236}">
+                <a16:creationId xmlns:a16="http://schemas.microsoft.com/office/drawing/2014/main" id="{F4BFE52A-EA5A-124B-42A1-A7BF0A5318D9}"/>
+              </a:ext>
+            </a:extLst>
+          </p:cNvPr>
+          <p:cNvSpPr txBox="1">
+            <a:spLocks noGrp="1"/>
+          </p:cNvSpPr>
+          <p:nvPr/>
+        </p:nvSpPr>
+        <p:spPr>
+          <a:xfrm>
+            <a:off x="11522723" y="6461420"/>
+            <a:ext cx="548700" cy="393600"/>
+          </a:xfrm>
+          <a:prstGeom prst="rect">
+            <a:avLst/>
+          </a:prstGeom>
+          <a:noFill/>
+          <a:ln>
+            <a:noFill/>
+          </a:ln>
+        </p:spPr>
+        <p:txBody>
+          <a:bodyPr spcFirstLastPara="1" wrap="square" lIns="91425" tIns="91425" rIns="91425" bIns="91425" anchor="t" anchorCtr="0">
+            <a:noAutofit/>
+          </a:bodyPr>
+          <a:lstStyle>
+            <a:defPPr marR="0" lvl="0" algn="l" rtl="0">
+              <a:lnSpc>
+                <a:spcPct val="100000"/>
+              </a:lnSpc>
+              <a:spcBef>
+                <a:spcPts val="0"/>
+              </a:spcBef>
+              <a:spcAft>
+                <a:spcPts val="0"/>
+              </a:spcAft>
+            </a:defPPr>
+            <a:lvl1pPr marR="0" lvl="0" algn="r" rtl="0">
+              <a:lnSpc>
+                <a:spcPct val="100000"/>
+              </a:lnSpc>
+              <a:spcBef>
+                <a:spcPts val="0"/>
+              </a:spcBef>
+              <a:spcAft>
+                <a:spcPts val="0"/>
+              </a:spcAft>
+              <a:buClr>
+                <a:srgbClr val="000000"/>
+              </a:buClr>
+              <a:buFont typeface="Arial"/>
+              <a:buNone/>
+              <a:defRPr sz="1300" b="0" i="0" u="none" strike="noStrike" cap="none">
+                <a:solidFill>
+                  <a:schemeClr val="dk1"/>
+                </a:solidFill>
+                <a:latin typeface="Arimo"/>
+                <a:ea typeface="Arimo"/>
+                <a:cs typeface="Arimo"/>
+                <a:sym typeface="Arimo"/>
+              </a:defRPr>
+            </a:lvl1pPr>
+            <a:lvl2pPr marR="0" lvl="1" algn="r" rtl="0">
+              <a:lnSpc>
+                <a:spcPct val="100000"/>
+              </a:lnSpc>
+              <a:spcBef>
+                <a:spcPts val="0"/>
+              </a:spcBef>
+              <a:spcAft>
+                <a:spcPts val="0"/>
+              </a:spcAft>
+              <a:buClr>
+                <a:srgbClr val="000000"/>
+              </a:buClr>
+              <a:buFont typeface="Arial"/>
+              <a:buNone/>
+              <a:defRPr sz="1300" b="0" i="0" u="none" strike="noStrike" cap="none">
+                <a:solidFill>
+                  <a:schemeClr val="dk1"/>
+                </a:solidFill>
+                <a:latin typeface="Arimo"/>
+                <a:ea typeface="Arimo"/>
+                <a:cs typeface="Arimo"/>
+                <a:sym typeface="Arimo"/>
+              </a:defRPr>
+            </a:lvl2pPr>
+            <a:lvl3pPr marR="0" lvl="2" algn="r" rtl="0">
+              <a:lnSpc>
+                <a:spcPct val="100000"/>
+              </a:lnSpc>
+              <a:spcBef>
+                <a:spcPts val="0"/>
+              </a:spcBef>
+              <a:spcAft>
+                <a:spcPts val="0"/>
+              </a:spcAft>
+              <a:buClr>
+                <a:srgbClr val="000000"/>
+              </a:buClr>
+              <a:buFont typeface="Arial"/>
+              <a:buNone/>
+              <a:defRPr sz="1300" b="0" i="0" u="none" strike="noStrike" cap="none">
+                <a:solidFill>
+                  <a:schemeClr val="dk1"/>
+                </a:solidFill>
+                <a:latin typeface="Arimo"/>
+                <a:ea typeface="Arimo"/>
+                <a:cs typeface="Arimo"/>
+                <a:sym typeface="Arimo"/>
+              </a:defRPr>
+            </a:lvl3pPr>
+            <a:lvl4pPr marR="0" lvl="3" algn="r" rtl="0">
+              <a:lnSpc>
+                <a:spcPct val="100000"/>
+              </a:lnSpc>
+              <a:spcBef>
+                <a:spcPts val="0"/>
+              </a:spcBef>
+              <a:spcAft>
+                <a:spcPts val="0"/>
+              </a:spcAft>
+              <a:buClr>
+                <a:srgbClr val="000000"/>
+              </a:buClr>
+              <a:buFont typeface="Arial"/>
+              <a:buNone/>
+              <a:defRPr sz="1300" b="0" i="0" u="none" strike="noStrike" cap="none">
+                <a:solidFill>
+                  <a:schemeClr val="dk1"/>
+                </a:solidFill>
+                <a:latin typeface="Arimo"/>
+                <a:ea typeface="Arimo"/>
+                <a:cs typeface="Arimo"/>
+                <a:sym typeface="Arimo"/>
+              </a:defRPr>
+            </a:lvl4pPr>
+            <a:lvl5pPr marR="0" lvl="4" algn="r" rtl="0">
+              <a:lnSpc>
+                <a:spcPct val="100000"/>
+              </a:lnSpc>
+              <a:spcBef>
+                <a:spcPts val="0"/>
+              </a:spcBef>
+              <a:spcAft>
+                <a:spcPts val="0"/>
+              </a:spcAft>
+              <a:buClr>
+                <a:srgbClr val="000000"/>
+              </a:buClr>
+              <a:buFont typeface="Arial"/>
+              <a:buNone/>
+              <a:defRPr sz="1300" b="0" i="0" u="none" strike="noStrike" cap="none">
+                <a:solidFill>
+                  <a:schemeClr val="dk1"/>
+                </a:solidFill>
+                <a:latin typeface="Arimo"/>
+                <a:ea typeface="Arimo"/>
+                <a:cs typeface="Arimo"/>
+                <a:sym typeface="Arimo"/>
+              </a:defRPr>
+            </a:lvl5pPr>
+            <a:lvl6pPr marR="0" lvl="5" algn="r" rtl="0">
+              <a:lnSpc>
+                <a:spcPct val="100000"/>
+              </a:lnSpc>
+              <a:spcBef>
+                <a:spcPts val="0"/>
+              </a:spcBef>
+              <a:spcAft>
+                <a:spcPts val="0"/>
+              </a:spcAft>
+              <a:buClr>
+                <a:srgbClr val="000000"/>
+              </a:buClr>
+              <a:buFont typeface="Arial"/>
+              <a:buNone/>
+              <a:defRPr sz="1300" b="0" i="0" u="none" strike="noStrike" cap="none">
+                <a:solidFill>
+                  <a:schemeClr val="dk1"/>
+                </a:solidFill>
+                <a:latin typeface="Arimo"/>
+                <a:ea typeface="Arimo"/>
+                <a:cs typeface="Arimo"/>
+                <a:sym typeface="Arimo"/>
+              </a:defRPr>
+            </a:lvl6pPr>
+            <a:lvl7pPr marR="0" lvl="6" algn="r" rtl="0">
+              <a:lnSpc>
+                <a:spcPct val="100000"/>
+              </a:lnSpc>
+              <a:spcBef>
+                <a:spcPts val="0"/>
+              </a:spcBef>
+              <a:spcAft>
+                <a:spcPts val="0"/>
+              </a:spcAft>
+              <a:buClr>
+                <a:srgbClr val="000000"/>
+              </a:buClr>
+              <a:buFont typeface="Arial"/>
+              <a:buNone/>
+              <a:defRPr sz="1300" b="0" i="0" u="none" strike="noStrike" cap="none">
+                <a:solidFill>
+                  <a:schemeClr val="dk1"/>
+                </a:solidFill>
+                <a:latin typeface="Arimo"/>
+                <a:ea typeface="Arimo"/>
+                <a:cs typeface="Arimo"/>
+                <a:sym typeface="Arimo"/>
+              </a:defRPr>
+            </a:lvl7pPr>
+            <a:lvl8pPr marR="0" lvl="7" algn="r" rtl="0">
+              <a:lnSpc>
+                <a:spcPct val="100000"/>
+              </a:lnSpc>
+              <a:spcBef>
+                <a:spcPts val="0"/>
+              </a:spcBef>
+              <a:spcAft>
+                <a:spcPts val="0"/>
+              </a:spcAft>
+              <a:buClr>
+                <a:srgbClr val="000000"/>
+              </a:buClr>
+              <a:buFont typeface="Arial"/>
+              <a:buNone/>
+              <a:defRPr sz="1300" b="0" i="0" u="none" strike="noStrike" cap="none">
+                <a:solidFill>
+                  <a:schemeClr val="dk1"/>
+                </a:solidFill>
+                <a:latin typeface="Arimo"/>
+                <a:ea typeface="Arimo"/>
+                <a:cs typeface="Arimo"/>
+                <a:sym typeface="Arimo"/>
+              </a:defRPr>
+            </a:lvl8pPr>
+            <a:lvl9pPr marR="0" lvl="8" algn="r" rtl="0">
+              <a:lnSpc>
+                <a:spcPct val="100000"/>
+              </a:lnSpc>
+              <a:spcBef>
+                <a:spcPts val="0"/>
+              </a:spcBef>
+              <a:spcAft>
+                <a:spcPts val="0"/>
+              </a:spcAft>
+              <a:buClr>
+                <a:srgbClr val="000000"/>
+              </a:buClr>
+              <a:buFont typeface="Arial"/>
+              <a:buNone/>
+              <a:defRPr sz="1300" b="0" i="0" u="none" strike="noStrike" cap="none">
+                <a:solidFill>
+                  <a:schemeClr val="dk1"/>
+                </a:solidFill>
+                <a:latin typeface="Arimo"/>
+                <a:ea typeface="Arimo"/>
+                <a:cs typeface="Arimo"/>
+                <a:sym typeface="Arimo"/>
+              </a:defRPr>
+            </a:lvl9pPr>
+          </a:lstStyle>
+          <a:p>
+            <a:pPr marL="0" lvl="0" indent="0" algn="r" rtl="0">
+              <a:spcBef>
+                <a:spcPts val="0"/>
+              </a:spcBef>
+              <a:spcAft>
+                <a:spcPts val="0"/>
+              </a:spcAft>
+              <a:buNone/>
+            </a:pPr>
+            <a:fld id="{00000000-1234-1234-1234-123412341234}" type="slidenum">
+              <a:rPr lang="en" sz="1600" dirty="0">
+                <a:solidFill>
+                  <a:srgbClr val="000000"/>
+                </a:solidFill>
+              </a:rPr>
+              <a:pPr marL="0" lvl="0" indent="0" algn="r" rtl="0">
+                <a:spcBef>
+                  <a:spcPts val="0"/>
+                </a:spcBef>
+                <a:spcAft>
+                  <a:spcPts val="0"/>
+                </a:spcAft>
+                <a:buNone/>
+              </a:pPr>
+              <a:t>10</a:t>
+            </a:fld>
+            <a:endParaRPr lang="en-US" sz="1600">
+              <a:solidFill>
+                <a:srgbClr val="000000"/>
+              </a:solidFill>
+            </a:endParaRPr>
+          </a:p>
+        </p:txBody>
+      </p:sp>
+    </p:spTree>
+    <p:extLst>
+      <p:ext uri="{BB962C8B-B14F-4D97-AF65-F5344CB8AC3E}">
+        <p14:creationId xmlns:p14="http://schemas.microsoft.com/office/powerpoint/2010/main" val="3994172370"/>
       </p:ext>
     </p:extLst>
   </p:cSld>
@@ -5899,7 +6281,7 @@
         <p:spPr>
           <a:xfrm>
             <a:off x="465820" y="1060595"/>
-            <a:ext cx="4591331" cy="2862322"/>
+            <a:ext cx="5353331" cy="2862322"/>
           </a:xfrm>
           <a:prstGeom prst="rect">
             <a:avLst/>
@@ -5988,13 +6370,16 @@
             </a:pPr>
             <a:r>
               <a:rPr lang="en-US" dirty="0"/>
-              <a:t> Using C / </a:t>
+              <a:t>Using C / </a:t>
             </a:r>
             <a:r>
               <a:rPr lang="en-US" dirty="0" err="1"/>
               <a:t>pthread</a:t>
             </a:r>
-            <a:endParaRPr lang="en-US" dirty="0"/>
+            <a:r>
+              <a:rPr lang="en-US" dirty="0"/>
+              <a:t>, uses FCFS eviction</a:t>
+            </a:r>
           </a:p>
           <a:p>
             <a:pPr marL="742950" lvl="1" indent="-285750">
@@ -7013,6 +7398,36 @@
           </a:p>
         </p:txBody>
       </p:sp>
+      <p:pic>
+        <p:nvPicPr>
+          <p:cNvPr id="3" name="Picture 2" descr="A speedometer and gear with ticks&#10;&#10;AI-generated content may be incorrect.">
+            <a:extLst>
+              <a:ext uri="{FF2B5EF4-FFF2-40B4-BE49-F238E27FC236}">
+                <a16:creationId xmlns:a16="http://schemas.microsoft.com/office/drawing/2014/main" id="{0FA2EFED-480A-2168-0F88-4D516B5ABAFE}"/>
+              </a:ext>
+            </a:extLst>
+          </p:cNvPr>
+          <p:cNvPicPr>
+            <a:picLocks noChangeAspect="1"/>
+          </p:cNvPicPr>
+          <p:nvPr/>
+        </p:nvPicPr>
+        <p:blipFill>
+          <a:blip r:embed="rId2"/>
+          <a:stretch>
+            <a:fillRect/>
+          </a:stretch>
+        </p:blipFill>
+        <p:spPr>
+          <a:xfrm>
+            <a:off x="4126523" y="181708"/>
+            <a:ext cx="691662" cy="703385"/>
+          </a:xfrm>
+          <a:prstGeom prst="rect">
+            <a:avLst/>
+          </a:prstGeom>
+        </p:spPr>
+      </p:pic>
     </p:spTree>
     <p:extLst>
       <p:ext uri="{BB962C8B-B14F-4D97-AF65-F5344CB8AC3E}">
@@ -7410,8 +7825,8 @@
         </p:nvSpPr>
         <p:spPr>
           <a:xfrm>
-            <a:off x="465820" y="1060595"/>
-            <a:ext cx="11460215" cy="5453865"/>
+            <a:off x="465820" y="978533"/>
+            <a:ext cx="11460215" cy="6284862"/>
           </a:xfrm>
           <a:prstGeom prst="rect">
             <a:avLst/>
@@ -7462,7 +7877,23 @@
                 <a:ea typeface="+mn-lt"/>
                 <a:cs typeface="+mn-lt"/>
               </a:rPr>
-              <a:t>Server program runs on cores 0,1.</a:t>
+              <a:t>Postgres database pinned on core 0.</a:t>
+            </a:r>
+          </a:p>
+          <a:p>
+            <a:pPr marL="742950" lvl="1" indent="-285750">
+              <a:lnSpc>
+                <a:spcPct val="150000"/>
+              </a:lnSpc>
+              <a:buFont typeface="Courier New"/>
+              <a:buChar char="o"/>
+            </a:pPr>
+            <a:r>
+              <a:rPr lang="en-US" dirty="0">
+                <a:ea typeface="+mn-lt"/>
+                <a:cs typeface="+mn-lt"/>
+              </a:rPr>
+              <a:t>Server program runs on cores 1,2.</a:t>
             </a:r>
             <a:br>
               <a:rPr lang="en-US" dirty="0">
@@ -7475,9 +7906,9 @@
                 <a:ea typeface="+mn-lt"/>
                 <a:cs typeface="+mn-lt"/>
               </a:rPr>
-              <a:t> taskset -c 0-1 ./server</a:t>
-            </a:r>
-            <a:endParaRPr lang="en-US" i="1"/>
+              <a:t> taskset -c 1,2 ./server</a:t>
+            </a:r>
+            <a:endParaRPr lang="en-US" i="1" dirty="0"/>
           </a:p>
           <a:p>
             <a:pPr marL="742950" lvl="1" indent="-285750">
@@ -7505,7 +7936,7 @@
                 <a:ea typeface="+mn-lt"/>
                 <a:cs typeface="+mn-lt"/>
               </a:rPr>
-              <a:t> taskset -c 2-7 ./</a:t>
+              <a:t> taskset -c 3-7 ./</a:t>
             </a:r>
             <a:r>
               <a:rPr lang="en-US" i="1" dirty="0" err="1">
@@ -7654,28 +8085,47 @@
                 <a:ea typeface="+mn-lt"/>
                 <a:cs typeface="+mn-lt"/>
               </a:rPr>
-              <a:t>The </a:t>
-            </a:r>
-            <a:r>
-              <a:rPr lang="en-US" dirty="0">
-                <a:solidFill>
-                  <a:srgbClr val="000000"/>
-                </a:solidFill>
-                <a:ea typeface="+mn-lt"/>
-                <a:cs typeface="+mn-lt"/>
-                <a:hlinkClick r:id="rId3"/>
-              </a:rPr>
-              <a:t>/results</a:t>
-            </a:r>
-            <a:r>
-              <a:rPr lang="en-US" dirty="0">
+              <a:t>CPU utilization (using </a:t>
+            </a:r>
+            <a:r>
+              <a:rPr lang="en-US" dirty="0" err="1">
                 <a:solidFill>
                   <a:srgbClr val="000000"/>
                 </a:solidFill>
                 <a:ea typeface="+mn-lt"/>
                 <a:cs typeface="+mn-lt"/>
               </a:rPr>
-              <a:t> folder stores the result logs from each run and csv files used for plots.</a:t>
+              <a:t>mpstat</a:t>
+            </a:r>
+            <a:r>
+              <a:rPr lang="en-US" dirty="0">
+                <a:solidFill>
+                  <a:srgbClr val="000000"/>
+                </a:solidFill>
+                <a:ea typeface="+mn-lt"/>
+                <a:cs typeface="+mn-lt"/>
+              </a:rPr>
+              <a:t>) and Disk utilization (using </a:t>
+            </a:r>
+            <a:r>
+              <a:rPr lang="en-US" dirty="0" err="1">
+                <a:solidFill>
+                  <a:srgbClr val="000000"/>
+                </a:solidFill>
+                <a:ea typeface="+mn-lt"/>
+                <a:cs typeface="+mn-lt"/>
+              </a:rPr>
+              <a:t>iostat</a:t>
+            </a:r>
+            <a:r>
+              <a:rPr lang="en-US" dirty="0">
+                <a:solidFill>
+                  <a:srgbClr val="000000"/>
+                </a:solidFill>
+                <a:ea typeface="+mn-lt"/>
+                <a:cs typeface="+mn-lt"/>
+              </a:rPr>
+              <a:t>) is monitored during each experiment run and are averaged for results.</a:t>
             </a:r>
           </a:p>
           <a:p>
@@ -7708,7 +8158,7 @@
         </p:nvSpPr>
         <p:spPr>
           <a:xfrm>
-            <a:off x="1263514" y="2010636"/>
+            <a:off x="1380745" y="2338882"/>
             <a:ext cx="2516041" cy="351586"/>
           </a:xfrm>
           <a:prstGeom prst="rect">
@@ -7755,7 +8205,7 @@
         </p:nvSpPr>
         <p:spPr>
           <a:xfrm>
-            <a:off x="1263513" y="2842974"/>
+            <a:off x="1380744" y="3171221"/>
             <a:ext cx="6126748" cy="339863"/>
           </a:xfrm>
           <a:prstGeom prst="rect">
@@ -7788,6 +8238,36 @@
           </a:p>
         </p:txBody>
       </p:sp>
+      <p:pic>
+        <p:nvPicPr>
+          <p:cNvPr id="9" name="Picture 8">
+            <a:extLst>
+              <a:ext uri="{FF2B5EF4-FFF2-40B4-BE49-F238E27FC236}">
+                <a16:creationId xmlns:a16="http://schemas.microsoft.com/office/drawing/2014/main" id="{A4922C97-7421-32FB-F26D-9ECCFB344F2A}"/>
+              </a:ext>
+            </a:extLst>
+          </p:cNvPr>
+          <p:cNvPicPr>
+            <a:picLocks noChangeAspect="1"/>
+          </p:cNvPicPr>
+          <p:nvPr/>
+        </p:nvPicPr>
+        <p:blipFill>
+          <a:blip r:embed="rId3"/>
+          <a:stretch>
+            <a:fillRect/>
+          </a:stretch>
+        </p:blipFill>
+        <p:spPr>
+          <a:xfrm>
+            <a:off x="4149969" y="263769"/>
+            <a:ext cx="586155" cy="609602"/>
+          </a:xfrm>
+          <a:prstGeom prst="rect">
+            <a:avLst/>
+          </a:prstGeom>
+        </p:spPr>
+      </p:pic>
     </p:spTree>
     <p:extLst>
       <p:ext uri="{BB962C8B-B14F-4D97-AF65-F5344CB8AC3E}">
@@ -8220,66 +8700,6 @@
           </a:p>
         </p:txBody>
       </p:sp>
-      <p:pic>
-        <p:nvPicPr>
-          <p:cNvPr id="5" name="Picture 4" descr="A graph with a line&#10;&#10;AI-generated content may be incorrect.">
-            <a:extLst>
-              <a:ext uri="{FF2B5EF4-FFF2-40B4-BE49-F238E27FC236}">
-                <a16:creationId xmlns:a16="http://schemas.microsoft.com/office/drawing/2014/main" id="{2757617D-2C42-25D1-8D85-A4D6AE74AF3F}"/>
-              </a:ext>
-            </a:extLst>
-          </p:cNvPr>
-          <p:cNvPicPr>
-            <a:picLocks noChangeAspect="1"/>
-          </p:cNvPicPr>
-          <p:nvPr/>
-        </p:nvPicPr>
-        <p:blipFill>
-          <a:blip r:embed="rId3"/>
-          <a:stretch>
-            <a:fillRect/>
-          </a:stretch>
-        </p:blipFill>
-        <p:spPr>
-          <a:xfrm>
-            <a:off x="199292" y="1863970"/>
-            <a:ext cx="5685692" cy="3540370"/>
-          </a:xfrm>
-          <a:prstGeom prst="rect">
-            <a:avLst/>
-          </a:prstGeom>
-        </p:spPr>
-      </p:pic>
-      <p:pic>
-        <p:nvPicPr>
-          <p:cNvPr id="6" name="Picture 5" descr="A graph with a line&#10;&#10;AI-generated content may be incorrect.">
-            <a:extLst>
-              <a:ext uri="{FF2B5EF4-FFF2-40B4-BE49-F238E27FC236}">
-                <a16:creationId xmlns:a16="http://schemas.microsoft.com/office/drawing/2014/main" id="{628B51D0-A96F-AE97-ED2E-D3F20F3ABC2F}"/>
-              </a:ext>
-            </a:extLst>
-          </p:cNvPr>
-          <p:cNvPicPr>
-            <a:picLocks noChangeAspect="1"/>
-          </p:cNvPicPr>
-          <p:nvPr/>
-        </p:nvPicPr>
-        <p:blipFill>
-          <a:blip r:embed="rId4"/>
-          <a:stretch>
-            <a:fillRect/>
-          </a:stretch>
-        </p:blipFill>
-        <p:spPr>
-          <a:xfrm>
-            <a:off x="6096000" y="1863969"/>
-            <a:ext cx="5802924" cy="3540370"/>
-          </a:xfrm>
-          <a:prstGeom prst="rect">
-            <a:avLst/>
-          </a:prstGeom>
-        </p:spPr>
-      </p:pic>
       <p:sp>
         <p:nvSpPr>
           <p:cNvPr id="8" name="TextBox 7">
@@ -8316,7 +8736,7 @@
             </a:pPr>
             <a:r>
               <a:rPr lang="en-US" dirty="0"/>
-              <a:t>Throughput Vs Load level</a:t>
+              <a:t>Throughput Vs #Threads</a:t>
             </a:r>
           </a:p>
         </p:txBody>
@@ -8354,11 +8774,71 @@
           <a:p>
             <a:r>
               <a:rPr lang="en-US" dirty="0"/>
-              <a:t>2.    Response time Vs Load level</a:t>
+              <a:t>2.    Response time Vs #Threads</a:t>
             </a:r>
           </a:p>
         </p:txBody>
       </p:sp>
+      <p:pic>
+        <p:nvPicPr>
+          <p:cNvPr id="9" name="Picture 8" descr="A graph with a line&#10;&#10;AI-generated content may be incorrect.">
+            <a:extLst>
+              <a:ext uri="{FF2B5EF4-FFF2-40B4-BE49-F238E27FC236}">
+                <a16:creationId xmlns:a16="http://schemas.microsoft.com/office/drawing/2014/main" id="{5DFF3A8D-E910-5EAF-F05C-A29239B3FF4A}"/>
+              </a:ext>
+            </a:extLst>
+          </p:cNvPr>
+          <p:cNvPicPr>
+            <a:picLocks noChangeAspect="1"/>
+          </p:cNvPicPr>
+          <p:nvPr/>
+        </p:nvPicPr>
+        <p:blipFill>
+          <a:blip r:embed="rId3"/>
+          <a:stretch>
+            <a:fillRect/>
+          </a:stretch>
+        </p:blipFill>
+        <p:spPr>
+          <a:xfrm>
+            <a:off x="6096000" y="1863969"/>
+            <a:ext cx="5802923" cy="3634154"/>
+          </a:xfrm>
+          <a:prstGeom prst="rect">
+            <a:avLst/>
+          </a:prstGeom>
+        </p:spPr>
+      </p:pic>
+      <p:pic>
+        <p:nvPicPr>
+          <p:cNvPr id="11" name="Picture 10" descr="A graph with a line&#10;&#10;AI-generated content may be incorrect.">
+            <a:extLst>
+              <a:ext uri="{FF2B5EF4-FFF2-40B4-BE49-F238E27FC236}">
+                <a16:creationId xmlns:a16="http://schemas.microsoft.com/office/drawing/2014/main" id="{BB8FF2D9-5921-4A93-D383-696622CD0F30}"/>
+              </a:ext>
+            </a:extLst>
+          </p:cNvPr>
+          <p:cNvPicPr>
+            <a:picLocks noChangeAspect="1"/>
+          </p:cNvPicPr>
+          <p:nvPr/>
+        </p:nvPicPr>
+        <p:blipFill>
+          <a:blip r:embed="rId4"/>
+          <a:stretch>
+            <a:fillRect/>
+          </a:stretch>
+        </p:blipFill>
+        <p:spPr>
+          <a:xfrm>
+            <a:off x="140677" y="1863969"/>
+            <a:ext cx="5802924" cy="3634154"/>
+          </a:xfrm>
+          <a:prstGeom prst="rect">
+            <a:avLst/>
+          </a:prstGeom>
+        </p:spPr>
+      </p:pic>
     </p:spTree>
     <p:extLst>
       <p:ext uri="{BB962C8B-B14F-4D97-AF65-F5344CB8AC3E}">
@@ -8824,17 +9304,17 @@
           <a:p>
             <a:r>
               <a:rPr lang="en-US" dirty="0"/>
-              <a:t>3.    Server CPU utilization(%) Vs Load level</a:t>
+              <a:t>3.    Server CPU utilization(%) Vs #Threads</a:t>
             </a:r>
           </a:p>
         </p:txBody>
       </p:sp>
       <p:pic>
         <p:nvPicPr>
-          <p:cNvPr id="4" name="Picture 3" descr="A graph with a green line&#10;&#10;AI-generated content may be incorrect.">
+          <p:cNvPr id="5" name="Picture 4" descr="A graph with a green line&#10;&#10;AI-generated content may be incorrect.">
             <a:extLst>
               <a:ext uri="{FF2B5EF4-FFF2-40B4-BE49-F238E27FC236}">
-                <a16:creationId xmlns:a16="http://schemas.microsoft.com/office/drawing/2014/main" id="{1A54F748-61AA-3E33-8B91-64B373C8AFDB}"/>
+                <a16:creationId xmlns:a16="http://schemas.microsoft.com/office/drawing/2014/main" id="{372FA9C8-1E0B-4E13-D006-4EE9A314ACBC}"/>
               </a:ext>
             </a:extLst>
           </p:cNvPr>
@@ -8851,8 +9331,8 @@
         </p:blipFill>
         <p:spPr>
           <a:xfrm>
-            <a:off x="2192215" y="1406769"/>
-            <a:ext cx="6893170" cy="4267200"/>
+            <a:off x="2307771" y="1491343"/>
+            <a:ext cx="6662058" cy="4169229"/>
           </a:xfrm>
           <a:prstGeom prst="rect">
             <a:avLst/>
@@ -9326,7 +9806,7 @@
             </a:pPr>
             <a:r>
               <a:rPr lang="en-US" dirty="0"/>
-              <a:t>Throughput Vs Load level</a:t>
+              <a:t>Throughput Vs #Threads</a:t>
             </a:r>
           </a:p>
         </p:txBody>
@@ -9364,17 +9844,17 @@
           <a:p>
             <a:r>
               <a:rPr lang="en-US" dirty="0"/>
-              <a:t>2.    Response time Vs Load level</a:t>
+              <a:t>2.    Response time Vs #Threads</a:t>
             </a:r>
           </a:p>
         </p:txBody>
       </p:sp>
       <p:pic>
         <p:nvPicPr>
-          <p:cNvPr id="4" name="Picture 3" descr="A graph with orange line&#10;&#10;AI-generated content may be incorrect.">
+          <p:cNvPr id="6" name="Picture 5" descr="A graph with orange dots&#10;&#10;AI-generated content may be incorrect.">
             <a:extLst>
               <a:ext uri="{FF2B5EF4-FFF2-40B4-BE49-F238E27FC236}">
-                <a16:creationId xmlns:a16="http://schemas.microsoft.com/office/drawing/2014/main" id="{BC9E2FA1-8B5D-6F19-16F5-7C4CA42CAB55}"/>
+                <a16:creationId xmlns:a16="http://schemas.microsoft.com/office/drawing/2014/main" id="{6CF80675-77B2-0F4A-7C83-18810DC6B0CF}"/>
               </a:ext>
             </a:extLst>
           </p:cNvPr>
@@ -9391,8 +9871,8 @@
         </p:blipFill>
         <p:spPr>
           <a:xfrm>
-            <a:off x="6295291" y="1852245"/>
-            <a:ext cx="5779478" cy="3645878"/>
+            <a:off x="6283569" y="1852246"/>
+            <a:ext cx="5779477" cy="3645877"/>
           </a:xfrm>
           <a:prstGeom prst="rect">
             <a:avLst/>
@@ -9401,10 +9881,10 @@
       </p:pic>
       <p:pic>
         <p:nvPicPr>
-          <p:cNvPr id="9" name="Picture 8" descr="A graph with a line graph&#10;&#10;AI-generated content may be incorrect.">
+          <p:cNvPr id="11" name="Picture 10" descr="A graph with a line graph&#10;&#10;AI-generated content may be incorrect.">
             <a:extLst>
               <a:ext uri="{FF2B5EF4-FFF2-40B4-BE49-F238E27FC236}">
-                <a16:creationId xmlns:a16="http://schemas.microsoft.com/office/drawing/2014/main" id="{A19003C5-E2C2-66AD-0B0B-F1701F956081}"/>
+                <a16:creationId xmlns:a16="http://schemas.microsoft.com/office/drawing/2014/main" id="{60770F8C-A14C-7DD9-5495-39EFD1127204}"/>
               </a:ext>
             </a:extLst>
           </p:cNvPr>
@@ -9421,7 +9901,7 @@
         </p:blipFill>
         <p:spPr>
           <a:xfrm>
-            <a:off x="363415" y="1852246"/>
+            <a:off x="164123" y="1852246"/>
             <a:ext cx="5779477" cy="3645877"/>
           </a:xfrm>
           <a:prstGeom prst="rect">
@@ -9844,8 +10324,8 @@
           <a:lstStyle/>
           <a:p>
             <a:r>
-              <a:rPr lang="en-US"/>
-              <a:t>3.    Disk utilization(%) Vs Load level</a:t>
+              <a:rPr lang="en-US" dirty="0"/>
+              <a:t>3.    Disk utilization(%) Vs #Threads</a:t>
             </a:r>
           </a:p>
         </p:txBody>
@@ -9900,10 +10380,10 @@
       </p:sp>
       <p:pic>
         <p:nvPicPr>
-          <p:cNvPr id="8" name="Picture 7" descr="A graph with a green line&#10;&#10;AI-generated content may be incorrect.">
+          <p:cNvPr id="3" name="Picture 2" descr="A graph with green line&#10;&#10;AI-generated content may be incorrect.">
             <a:extLst>
               <a:ext uri="{FF2B5EF4-FFF2-40B4-BE49-F238E27FC236}">
-                <a16:creationId xmlns:a16="http://schemas.microsoft.com/office/drawing/2014/main" id="{EFECED0E-4210-BFF0-FE4E-56A6B1B5EE75}"/>
+                <a16:creationId xmlns:a16="http://schemas.microsoft.com/office/drawing/2014/main" id="{609C0286-503F-4E4A-E01E-4533D90CF6C7}"/>
               </a:ext>
             </a:extLst>
           </p:cNvPr>
@@ -9920,91 +10400,14 @@
         </p:blipFill>
         <p:spPr>
           <a:xfrm>
-            <a:off x="2485292" y="1383323"/>
-            <a:ext cx="6834555" cy="4302371"/>
+            <a:off x="2579077" y="1383323"/>
+            <a:ext cx="6822831" cy="4208585"/>
           </a:xfrm>
           <a:prstGeom prst="rect">
             <a:avLst/>
           </a:prstGeom>
         </p:spPr>
       </p:pic>
-      <p:sp>
-        <p:nvSpPr>
-          <p:cNvPr id="11" name="TextBox 10">
-            <a:extLst>
-              <a:ext uri="{FF2B5EF4-FFF2-40B4-BE49-F238E27FC236}">
-                <a16:creationId xmlns:a16="http://schemas.microsoft.com/office/drawing/2014/main" id="{D8436EB3-45CF-7693-3B2A-8F6C1263D406}"/>
-              </a:ext>
-            </a:extLst>
-          </p:cNvPr>
-          <p:cNvSpPr txBox="1"/>
-          <p:nvPr/>
-        </p:nvSpPr>
-        <p:spPr>
-          <a:xfrm>
-            <a:off x="3946913" y="6518404"/>
-            <a:ext cx="4300238" cy="338554"/>
-          </a:xfrm>
-          <a:prstGeom prst="rect">
-            <a:avLst/>
-          </a:prstGeom>
-          <a:noFill/>
-        </p:spPr>
-        <p:txBody>
-          <a:bodyPr rot="0" spcFirstLastPara="0" vertOverflow="overflow" horzOverflow="overflow" vert="horz" wrap="square" lIns="91440" tIns="45720" rIns="91440" bIns="45720" numCol="1" spcCol="0" rtlCol="0" fromWordArt="0" anchor="t" anchorCtr="0" forceAA="0" compatLnSpc="1">
-            <a:prstTxWarp prst="textNoShape">
-              <a:avLst/>
-            </a:prstTxWarp>
-            <a:spAutoFit/>
-          </a:bodyPr>
-          <a:lstStyle/>
-          <a:p>
-            <a:r>
-              <a:rPr lang="en-US" sz="1600" i="1" dirty="0">
-                <a:solidFill>
-                  <a:schemeClr val="tx1">
-                    <a:lumMod val="85000"/>
-                    <a:lumOff val="15000"/>
-                  </a:schemeClr>
-                </a:solidFill>
-                <a:ea typeface="+mn-lt"/>
-                <a:cs typeface="+mn-lt"/>
-              </a:rPr>
-              <a:t>Detailed report : </a:t>
-            </a:r>
-            <a:r>
-              <a:rPr lang="en-US" sz="1600" i="1" dirty="0">
-                <a:solidFill>
-                  <a:schemeClr val="tx1">
-                    <a:lumMod val="85000"/>
-                    <a:lumOff val="15000"/>
-                  </a:schemeClr>
-                </a:solidFill>
-                <a:ea typeface="+mn-lt"/>
-                <a:cs typeface="+mn-lt"/>
-                <a:hlinkClick r:id="rId4">
-                  <a:extLst>
-                    <a:ext uri="{A12FA001-AC4F-418D-AE19-62706E023703}">
-                      <ahyp:hlinkClr xmlns:ahyp="http://schemas.microsoft.com/office/drawing/2018/hyperlinkcolor" val="tx"/>
-                    </a:ext>
-                  </a:extLst>
-                </a:hlinkClick>
-              </a:rPr>
-              <a:t>25M2113_project_report.pdf</a:t>
-            </a:r>
-            <a:endParaRPr lang="en-US" sz="1600" i="1" dirty="0">
-              <a:solidFill>
-                <a:schemeClr val="tx1">
-                  <a:lumMod val="85000"/>
-                  <a:lumOff val="15000"/>
-                </a:schemeClr>
-              </a:solidFill>
-              <a:ea typeface="+mn-lt"/>
-              <a:cs typeface="+mn-lt"/>
-            </a:endParaRPr>
-          </a:p>
-        </p:txBody>
-      </p:sp>
     </p:spTree>
     <p:extLst>
       <p:ext uri="{BB962C8B-B14F-4D97-AF65-F5344CB8AC3E}">
